--- a/Final Presentation.pptx
+++ b/Final Presentation.pptx
@@ -8032,23 +8032,16 @@
           <a:lstStyle/>
           <a:p>
             <a:r>
-              <a:rPr lang="en-US" sz="1800" b="0" i="0" u="none" strike="noStrike" dirty="0">
-                <a:solidFill>
-                  <a:srgbClr val="000000"/>
-                </a:solidFill>
-                <a:effectLst/>
-                <a:latin typeface="Arial" panose="020B0604020202020204" pitchFamily="34" charset="0"/>
-              </a:rPr>
-              <a:t>We visualize the relationships between some actual and predicted values. We can see that the predictions are decent from the scatter plot</a:t>
+              <a:rPr lang="en-US" dirty="0"/>
+              <a:t>The models performed poorly on mid-LTV segment</a:t>
             </a:r>
-            <a:endParaRPr lang="en-US" dirty="0"/>
           </a:p>
         </p:txBody>
       </p:sp>
     </p:spTree>
     <p:extLst>
       <p:ext uri="{BB962C8B-B14F-4D97-AF65-F5344CB8AC3E}">
-        <p14:creationId xmlns:p14="http://schemas.microsoft.com/office/powerpoint/2010/main" val="1161555076"/>
+        <p14:creationId xmlns:p14="http://schemas.microsoft.com/office/powerpoint/2010/main" val="1758331749"/>
       </p:ext>
     </p:extLst>
   </p:cSld>
@@ -8108,6 +8101,236 @@
           <a:lstStyle/>
           <a:p>
             <a:r>
+              <a:rPr lang="en-US" b="0" i="0" dirty="0">
+                <a:solidFill>
+                  <a:srgbClr val="24292E"/>
+                </a:solidFill>
+                <a:effectLst/>
+                <a:latin typeface="-apple-system"/>
+              </a:rPr>
+              <a:t>We used </a:t>
+            </a:r>
+            <a:r>
+              <a:rPr lang="en-US" b="0" i="1" u="none" strike="noStrike" dirty="0">
+                <a:solidFill>
+                  <a:srgbClr val="0366D6"/>
+                </a:solidFill>
+                <a:effectLst/>
+                <a:latin typeface="-apple-system"/>
+                <a:hlinkClick r:id="rId3"/>
+              </a:rPr>
+              <a:t>lifetimes</a:t>
+            </a:r>
+            <a:r>
+              <a:rPr lang="en-US" b="0" i="0" dirty="0">
+                <a:solidFill>
+                  <a:srgbClr val="24292E"/>
+                </a:solidFill>
+                <a:effectLst/>
+                <a:latin typeface="-apple-system"/>
+              </a:rPr>
+              <a:t> to build two models. These two models together allowed us to predict customer LTVs from transactional data</a:t>
+            </a:r>
+          </a:p>
+          <a:p>
+            <a:r>
+              <a:rPr lang="en-US" sz="1800" b="0" i="0" u="none" strike="noStrike" dirty="0">
+                <a:solidFill>
+                  <a:srgbClr val="000000"/>
+                </a:solidFill>
+                <a:effectLst/>
+                <a:latin typeface="Arial" panose="020B0604020202020204" pitchFamily="34" charset="0"/>
+              </a:rPr>
+              <a:t>We are still going to use RFM as the features, but this time using a built-in function from </a:t>
+            </a:r>
+            <a:r>
+              <a:rPr lang="en-US" sz="1800" b="0" i="1" u="none" strike="noStrike" dirty="0">
+                <a:solidFill>
+                  <a:srgbClr val="000000"/>
+                </a:solidFill>
+                <a:effectLst/>
+                <a:latin typeface="Arial" panose="020B0604020202020204" pitchFamily="34" charset="0"/>
+              </a:rPr>
+              <a:t>lifetimes</a:t>
+            </a:r>
+            <a:r>
+              <a:rPr lang="en-US" sz="1800" b="0" i="0" u="none" strike="noStrike" dirty="0">
+                <a:solidFill>
+                  <a:srgbClr val="000000"/>
+                </a:solidFill>
+                <a:effectLst/>
+                <a:latin typeface="Arial" panose="020B0604020202020204" pitchFamily="34" charset="0"/>
+              </a:rPr>
+              <a:t> package to transform the dataset into the features we need.</a:t>
+            </a:r>
+            <a:endParaRPr lang="en-US" b="0" i="0" dirty="0">
+              <a:solidFill>
+                <a:srgbClr val="24292E"/>
+              </a:solidFill>
+              <a:effectLst/>
+              <a:latin typeface="-apple-system"/>
+            </a:endParaRPr>
+          </a:p>
+          <a:p>
+            <a:r>
+              <a:rPr lang="en-US" dirty="0">
+                <a:effectLst/>
+              </a:rPr>
+              <a:t>T</a:t>
+            </a:r>
+            <a:r>
+              <a:rPr lang="en-US" b="0" i="0" dirty="0">
+                <a:solidFill>
+                  <a:srgbClr val="404040"/>
+                </a:solidFill>
+                <a:effectLst/>
+                <a:latin typeface="Lato"/>
+              </a:rPr>
+              <a:t> represents the age of the customer. This is equal to the duration between a customer’s first purchase and the end of the period under study.</a:t>
+            </a:r>
+            <a:endParaRPr lang="en-US" dirty="0"/>
+          </a:p>
+        </p:txBody>
+      </p:sp>
+    </p:spTree>
+    <p:extLst>
+      <p:ext uri="{BB962C8B-B14F-4D97-AF65-F5344CB8AC3E}">
+        <p14:creationId xmlns:p14="http://schemas.microsoft.com/office/powerpoint/2010/main" val="1869249121"/>
+      </p:ext>
+    </p:extLst>
+  </p:cSld>
+  <p:clrMapOvr>
+    <a:masterClrMapping/>
+  </p:clrMapOvr>
+</p:notes>
+</file>
+
+<file path=ppt/notesSlides/notesSlide12.xml><?xml version="1.0" encoding="utf-8"?>
+<p:notes xmlns:a="http://schemas.openxmlformats.org/drawingml/2006/main" xmlns:r="http://schemas.openxmlformats.org/officeDocument/2006/relationships" xmlns:p="http://schemas.openxmlformats.org/presentationml/2006/main">
+  <p:cSld>
+    <p:spTree>
+      <p:nvGrpSpPr>
+        <p:cNvPr id="1" name=""/>
+        <p:cNvGrpSpPr/>
+        <p:nvPr/>
+      </p:nvGrpSpPr>
+      <p:grpSpPr>
+        <a:xfrm>
+          <a:off x="0" y="0"/>
+          <a:ext cx="0" cy="0"/>
+          <a:chOff x="0" y="0"/>
+          <a:chExt cx="0" cy="0"/>
+        </a:xfrm>
+      </p:grpSpPr>
+      <p:sp>
+        <p:nvSpPr>
+          <p:cNvPr id="2" name="Slide Image Placeholder 1"/>
+          <p:cNvSpPr>
+            <a:spLocks noGrp="1" noRot="1" noChangeAspect="1"/>
+          </p:cNvSpPr>
+          <p:nvPr>
+            <p:ph type="sldImg"/>
+          </p:nvPr>
+        </p:nvSpPr>
+        <p:spPr>
+          <a:xfrm>
+            <a:off x="381000" y="685800"/>
+            <a:ext cx="6096000" cy="3429000"/>
+          </a:xfrm>
+        </p:spPr>
+      </p:sp>
+      <p:sp>
+        <p:nvSpPr>
+          <p:cNvPr id="3" name="Notes Placeholder 2"/>
+          <p:cNvSpPr>
+            <a:spLocks noGrp="1"/>
+          </p:cNvSpPr>
+          <p:nvPr>
+            <p:ph type="body" idx="1"/>
+          </p:nvPr>
+        </p:nvSpPr>
+        <p:spPr/>
+        <p:txBody>
+          <a:bodyPr/>
+          <a:lstStyle/>
+          <a:p>
+            <a:r>
+              <a:rPr lang="en-US" sz="1800" b="0" i="0" u="none" strike="noStrike" dirty="0">
+                <a:solidFill>
+                  <a:srgbClr val="000000"/>
+                </a:solidFill>
+                <a:effectLst/>
+                <a:latin typeface="Arial" panose="020B0604020202020204" pitchFamily="34" charset="0"/>
+              </a:rPr>
+              <a:t>We visualize the relationships between some actual and predicted values. We can see that the predictions are decent from the scatter plot</a:t>
+            </a:r>
+            <a:endParaRPr lang="en-US" dirty="0"/>
+          </a:p>
+        </p:txBody>
+      </p:sp>
+    </p:spTree>
+    <p:extLst>
+      <p:ext uri="{BB962C8B-B14F-4D97-AF65-F5344CB8AC3E}">
+        <p14:creationId xmlns:p14="http://schemas.microsoft.com/office/powerpoint/2010/main" val="1161555076"/>
+      </p:ext>
+    </p:extLst>
+  </p:cSld>
+  <p:clrMapOvr>
+    <a:masterClrMapping/>
+  </p:clrMapOvr>
+</p:notes>
+</file>
+
+<file path=ppt/notesSlides/notesSlide13.xml><?xml version="1.0" encoding="utf-8"?>
+<p:notes xmlns:a="http://schemas.openxmlformats.org/drawingml/2006/main" xmlns:r="http://schemas.openxmlformats.org/officeDocument/2006/relationships" xmlns:p="http://schemas.openxmlformats.org/presentationml/2006/main">
+  <p:cSld>
+    <p:spTree>
+      <p:nvGrpSpPr>
+        <p:cNvPr id="1" name=""/>
+        <p:cNvGrpSpPr/>
+        <p:nvPr/>
+      </p:nvGrpSpPr>
+      <p:grpSpPr>
+        <a:xfrm>
+          <a:off x="0" y="0"/>
+          <a:ext cx="0" cy="0"/>
+          <a:chOff x="0" y="0"/>
+          <a:chExt cx="0" cy="0"/>
+        </a:xfrm>
+      </p:grpSpPr>
+      <p:sp>
+        <p:nvSpPr>
+          <p:cNvPr id="2" name="Slide Image Placeholder 1"/>
+          <p:cNvSpPr>
+            <a:spLocks noGrp="1" noRot="1" noChangeAspect="1"/>
+          </p:cNvSpPr>
+          <p:nvPr>
+            <p:ph type="sldImg"/>
+          </p:nvPr>
+        </p:nvSpPr>
+        <p:spPr>
+          <a:xfrm>
+            <a:off x="381000" y="685800"/>
+            <a:ext cx="6096000" cy="3429000"/>
+          </a:xfrm>
+        </p:spPr>
+      </p:sp>
+      <p:sp>
+        <p:nvSpPr>
+          <p:cNvPr id="3" name="Notes Placeholder 2"/>
+          <p:cNvSpPr>
+            <a:spLocks noGrp="1"/>
+          </p:cNvSpPr>
+          <p:nvPr>
+            <p:ph type="body" idx="1"/>
+          </p:nvPr>
+        </p:nvSpPr>
+        <p:spPr/>
+        <p:txBody>
+          <a:bodyPr/>
+          <a:lstStyle/>
+          <a:p>
+            <a:r>
               <a:rPr lang="en-US" sz="1800" b="0" i="0" u="none" strike="noStrike" dirty="0">
                 <a:solidFill>
                   <a:srgbClr val="000000"/>
@@ -8127,7 +8350,7 @@
                 <a:effectLst/>
                 <a:latin typeface="Arial" panose="020B0604020202020204" pitchFamily="34" charset="0"/>
               </a:rPr>
-              <a:t>The model underpredicts the occurrences of the lower customer LTVs while following the remaining structure of the data.</a:t>
+              <a:t>The model underpredicts the occurrences of the lower customer LTVs</a:t>
             </a:r>
             <a:endParaRPr lang="en-US" dirty="0"/>
           </a:p>
@@ -8146,7 +8369,7 @@
 </p:notes>
 </file>
 
-<file path=ppt/notesSlides/notesSlide12.xml><?xml version="1.0" encoding="utf-8"?>
+<file path=ppt/notesSlides/notesSlide14.xml><?xml version="1.0" encoding="utf-8"?>
 <p:notes xmlns:a="http://schemas.openxmlformats.org/drawingml/2006/main" xmlns:r="http://schemas.openxmlformats.org/officeDocument/2006/relationships" xmlns:p="http://schemas.openxmlformats.org/presentationml/2006/main">
   <p:cSld>
     <p:spTree>
@@ -8318,7 +8541,7 @@
               </a:spcAft>
               <a:buNone/>
             </a:pPr>
-            <a:endParaRPr/>
+            <a:endParaRPr dirty="0"/>
           </a:p>
         </p:txBody>
       </p:sp>
@@ -8843,7 +9066,7 @@
             </a:pPr>
             <a:r>
               <a:rPr lang="en" dirty="0"/>
-              <a:t>There’s a slight correlation, eventhough a little difficult to tell.</a:t>
+              <a:t>Scatter plot with fitted linear regression model. There’s a slight correlation, eventhough a little difficult to tell.</a:t>
             </a:r>
             <a:endParaRPr lang="en-US" dirty="0"/>
           </a:p>
@@ -8923,6 +9146,15 @@
             <a:pPr marL="158750" indent="0">
               <a:buNone/>
             </a:pPr>
+            <a:r>
+              <a:rPr lang="en" dirty="0"/>
+              <a:t>We don’t see any obvious paterns from the plots.</a:t>
+            </a:r>
+          </a:p>
+          <a:p>
+            <a:pPr marL="158750" indent="0">
+              <a:buNone/>
+            </a:pPr>
             <a:endParaRPr lang="en-US" dirty="0"/>
           </a:p>
         </p:txBody>
@@ -8990,35 +9222,16 @@
           <a:lstStyle/>
           <a:p>
             <a:r>
-              <a:rPr lang="en-US" b="0" i="0" dirty="0">
-                <a:solidFill>
-                  <a:srgbClr val="000000"/>
-                </a:solidFill>
-                <a:effectLst/>
-                <a:latin typeface="Helvetica Neue"/>
-              </a:rPr>
-              <a:t>We can observe correlation between the RFM score and the LTV segment from the scatter plot.</a:t>
+              <a:rPr lang="en-US" dirty="0"/>
+              <a:t>Use 3-month data for training, and predicting 21-month LTV</a:t>
             </a:r>
-          </a:p>
-          <a:p>
-            <a:r>
-              <a:rPr lang="en-US" b="0" i="0" dirty="0">
-                <a:solidFill>
-                  <a:srgbClr val="000000"/>
-                </a:solidFill>
-                <a:effectLst/>
-                <a:latin typeface="Helvetica Neue"/>
-              </a:rPr>
-              <a:t>Highly imbalanced dataset</a:t>
-            </a:r>
-            <a:endParaRPr lang="en-US" dirty="0"/>
           </a:p>
         </p:txBody>
       </p:sp>
     </p:spTree>
     <p:extLst>
       <p:ext uri="{BB962C8B-B14F-4D97-AF65-F5344CB8AC3E}">
-        <p14:creationId xmlns:p14="http://schemas.microsoft.com/office/powerpoint/2010/main" val="2748376908"/>
+        <p14:creationId xmlns:p14="http://schemas.microsoft.com/office/powerpoint/2010/main" val="1971981106"/>
       </p:ext>
     </p:extLst>
   </p:cSld>
@@ -9078,34 +9291,26 @@
           <a:lstStyle/>
           <a:p>
             <a:r>
-              <a:rPr lang="en-US" sz="1800" b="0" i="0" u="none" strike="noStrike" dirty="0">
+              <a:rPr lang="en-US" b="0" i="0" dirty="0">
                 <a:solidFill>
                   <a:srgbClr val="000000"/>
                 </a:solidFill>
                 <a:effectLst/>
-                <a:latin typeface="Arial" panose="020B0604020202020204" pitchFamily="34" charset="0"/>
+                <a:latin typeface="Helvetica Neue"/>
               </a:rPr>
-              <a:t>From the model performance comparison table, we can see that Gaussian Naive Bayes and </a:t>
+              <a:t>We can observe correlation between the RFM score and the LTV segment from the scatter plot.</a:t>
             </a:r>
+          </a:p>
+          <a:p>
             <a:r>
-              <a:rPr lang="en-US" sz="1800" b="0" i="0" u="none" strike="noStrike" dirty="0" err="1">
+              <a:rPr lang="en-US" b="0" i="0" dirty="0">
                 <a:solidFill>
                   <a:srgbClr val="000000"/>
                 </a:solidFill>
                 <a:effectLst/>
-                <a:latin typeface="Arial" panose="020B0604020202020204" pitchFamily="34" charset="0"/>
+                <a:latin typeface="Helvetica Neue"/>
               </a:rPr>
-              <a:t>XGBoost</a:t>
-            </a:r>
-            <a:r>
-              <a:rPr lang="en-US" sz="1800" b="0" i="0" u="none" strike="noStrike" dirty="0">
-                <a:solidFill>
-                  <a:srgbClr val="000000"/>
-                </a:solidFill>
-                <a:effectLst/>
-                <a:latin typeface="Arial" panose="020B0604020202020204" pitchFamily="34" charset="0"/>
-              </a:rPr>
-              <a:t> models are more effective than the rest</a:t>
+              <a:t>Highly imbalanced dataset</a:t>
             </a:r>
             <a:endParaRPr lang="en-US" dirty="0"/>
           </a:p>
@@ -9114,7 +9319,7 @@
     </p:spTree>
     <p:extLst>
       <p:ext uri="{BB962C8B-B14F-4D97-AF65-F5344CB8AC3E}">
-        <p14:creationId xmlns:p14="http://schemas.microsoft.com/office/powerpoint/2010/main" val="3059256551"/>
+        <p14:creationId xmlns:p14="http://schemas.microsoft.com/office/powerpoint/2010/main" val="2748376908"/>
       </p:ext>
     </p:extLst>
   </p:cSld>
@@ -9174,35 +9379,14 @@
           <a:lstStyle/>
           <a:p>
             <a:r>
-              <a:rPr lang="en-US" b="0" i="0" dirty="0">
-                <a:solidFill>
-                  <a:srgbClr val="24292E"/>
+              <a:rPr lang="en-US" sz="1800" b="0" i="0" u="none" strike="noStrike" dirty="0">
+                <a:solidFill>
+                  <a:srgbClr val="000000"/>
                 </a:solidFill>
                 <a:effectLst/>
-                <a:latin typeface="-apple-system"/>
+                <a:latin typeface="Arial" panose="020B0604020202020204" pitchFamily="34" charset="0"/>
               </a:rPr>
-              <a:t>We used </a:t>
-            </a:r>
-            <a:r>
-              <a:rPr lang="en-US" b="0" i="1" u="none" strike="noStrike" dirty="0">
-                <a:solidFill>
-                  <a:srgbClr val="0366D6"/>
-                </a:solidFill>
-                <a:effectLst/>
-                <a:latin typeface="-apple-system"/>
-                <a:hlinkClick r:id="rId3"/>
-              </a:rPr>
-              <a:t>lifetimes</a:t>
-            </a:r>
-            <a:r>
-              <a:rPr lang="en-US" b="0" i="0" dirty="0">
-                <a:solidFill>
-                  <a:srgbClr val="24292E"/>
-                </a:solidFill>
-                <a:effectLst/>
-                <a:latin typeface="-apple-system"/>
-              </a:rPr>
-              <a:t> to build two models. These two models together allowed us to predict customer LTVs from transactional data</a:t>
+              <a:t>Make sure that all classes contribute equally to the score</a:t>
             </a:r>
           </a:p>
           <a:p>
@@ -9214,17 +9398,17 @@
                 <a:effectLst/>
                 <a:latin typeface="Arial" panose="020B0604020202020204" pitchFamily="34" charset="0"/>
               </a:rPr>
-              <a:t>We are still going to use RFM as the features, but this time using a built-in function from </a:t>
+              <a:t>From the model performance comparison table, we can see that Gaussian Naive Bayes and </a:t>
             </a:r>
             <a:r>
-              <a:rPr lang="en-US" sz="1800" b="0" i="1" u="none" strike="noStrike" dirty="0">
+              <a:rPr lang="en-US" sz="1800" b="0" i="0" u="none" strike="noStrike" dirty="0" err="1">
                 <a:solidFill>
                   <a:srgbClr val="000000"/>
                 </a:solidFill>
                 <a:effectLst/>
                 <a:latin typeface="Arial" panose="020B0604020202020204" pitchFamily="34" charset="0"/>
               </a:rPr>
-              <a:t>lifetimes</a:t>
+              <a:t>XGBoost</a:t>
             </a:r>
             <a:r>
               <a:rPr lang="en-US" sz="1800" b="0" i="0" u="none" strike="noStrike" dirty="0">
@@ -9234,32 +9418,7 @@
                 <a:effectLst/>
                 <a:latin typeface="Arial" panose="020B0604020202020204" pitchFamily="34" charset="0"/>
               </a:rPr>
-              <a:t> package to transform the dataset into the features we need.</a:t>
-            </a:r>
-            <a:endParaRPr lang="en-US" b="0" i="0" dirty="0">
-              <a:solidFill>
-                <a:srgbClr val="24292E"/>
-              </a:solidFill>
-              <a:effectLst/>
-              <a:latin typeface="-apple-system"/>
-            </a:endParaRPr>
-          </a:p>
-          <a:p>
-            <a:r>
-              <a:rPr lang="en-US" dirty="0">
-                <a:effectLst/>
-              </a:rPr>
-              <a:t>T</a:t>
-            </a:r>
-            <a:r>
-              <a:rPr lang="en-US" b="0" i="0" dirty="0">
-                <a:solidFill>
-                  <a:srgbClr val="404040"/>
-                </a:solidFill>
-                <a:effectLst/>
-                <a:latin typeface="Lato"/>
-              </a:rPr>
-              <a:t> represents the age of the customer in whatever time units chosen (weekly, in the above dataset). This is equal to the duration between a customer’s first purchase and the end of the period under study.</a:t>
+              <a:t> models are more effective than the rest</a:t>
             </a:r>
             <a:endParaRPr lang="en-US" dirty="0"/>
           </a:p>
@@ -9268,7 +9427,7 @@
     </p:spTree>
     <p:extLst>
       <p:ext uri="{BB962C8B-B14F-4D97-AF65-F5344CB8AC3E}">
-        <p14:creationId xmlns:p14="http://schemas.microsoft.com/office/powerpoint/2010/main" val="1869249121"/>
+        <p14:creationId xmlns:p14="http://schemas.microsoft.com/office/powerpoint/2010/main" val="3059256551"/>
       </p:ext>
     </p:extLst>
   </p:cSld>
@@ -19365,53 +19524,6 @@
           </a:ln>
         </p:spPr>
       </p:cxnSp>
-      <p:pic>
-        <p:nvPicPr>
-          <p:cNvPr id="8194" name="Picture 2">
-            <a:extLst>
-              <a:ext uri="{FF2B5EF4-FFF2-40B4-BE49-F238E27FC236}">
-                <a16:creationId xmlns:a16="http://schemas.microsoft.com/office/drawing/2014/main" id="{729EE7AF-23FD-4C12-9E81-C8A571A6FDB8}"/>
-              </a:ext>
-            </a:extLst>
-          </p:cNvPr>
-          <p:cNvPicPr>
-            <a:picLocks noChangeAspect="1" noChangeArrowheads="1"/>
-          </p:cNvPicPr>
-          <p:nvPr/>
-        </p:nvPicPr>
-        <p:blipFill>
-          <a:blip r:embed="rId3">
-            <a:extLst>
-              <a:ext uri="{28A0092B-C50C-407E-A947-70E740481C1C}">
-                <a14:useLocalDpi xmlns:a14="http://schemas.microsoft.com/office/drawing/2010/main" val="0"/>
-              </a:ext>
-            </a:extLst>
-          </a:blip>
-          <a:srcRect/>
-          <a:stretch>
-            <a:fillRect/>
-          </a:stretch>
-        </p:blipFill>
-        <p:spPr bwMode="auto">
-          <a:xfrm>
-            <a:off x="5791355" y="938980"/>
-            <a:ext cx="2986521" cy="3265539"/>
-          </a:xfrm>
-          <a:prstGeom prst="rect">
-            <a:avLst/>
-          </a:prstGeom>
-          <a:noFill/>
-          <a:extLst>
-            <a:ext uri="{909E8E84-426E-40DD-AFC4-6F175D3DCCD1}">
-              <a14:hiddenFill xmlns:a14="http://schemas.microsoft.com/office/drawing/2010/main">
-                <a:solidFill>
-                  <a:srgbClr val="FFFFFF"/>
-                </a:solidFill>
-              </a14:hiddenFill>
-            </a:ext>
-          </a:extLst>
-        </p:spPr>
-      </p:pic>
       <p:sp>
         <p:nvSpPr>
           <p:cNvPr id="12" name="TextBox 11">
@@ -19536,6 +19648,36 @@
           </a:p>
         </p:txBody>
       </p:sp>
+      <p:pic>
+        <p:nvPicPr>
+          <p:cNvPr id="3" name="Picture 2" descr="A screenshot of a cell phone&#10;&#10;Description automatically generated">
+            <a:extLst>
+              <a:ext uri="{FF2B5EF4-FFF2-40B4-BE49-F238E27FC236}">
+                <a16:creationId xmlns:a16="http://schemas.microsoft.com/office/drawing/2014/main" id="{372E1030-8A2E-4D99-94F4-043EB3EC5170}"/>
+              </a:ext>
+            </a:extLst>
+          </p:cNvPr>
+          <p:cNvPicPr>
+            <a:picLocks noChangeAspect="1"/>
+          </p:cNvPicPr>
+          <p:nvPr/>
+        </p:nvPicPr>
+        <p:blipFill>
+          <a:blip r:embed="rId3"/>
+          <a:stretch>
+            <a:fillRect/>
+          </a:stretch>
+        </p:blipFill>
+        <p:spPr>
+          <a:xfrm>
+            <a:off x="5798792" y="693073"/>
+            <a:ext cx="2984991" cy="3520534"/>
+          </a:xfrm>
+          <a:prstGeom prst="rect">
+            <a:avLst/>
+          </a:prstGeom>
+        </p:spPr>
+      </p:pic>
     </p:spTree>
     <p:extLst>
       <p:ext uri="{BB962C8B-B14F-4D97-AF65-F5344CB8AC3E}">
@@ -21684,53 +21826,6 @@
           <a:chExt cx="0" cy="0"/>
         </a:xfrm>
       </p:grpSpPr>
-      <p:pic>
-        <p:nvPicPr>
-          <p:cNvPr id="2050" name="Picture 2">
-            <a:extLst>
-              <a:ext uri="{FF2B5EF4-FFF2-40B4-BE49-F238E27FC236}">
-                <a16:creationId xmlns:a16="http://schemas.microsoft.com/office/drawing/2014/main" id="{906D3C0D-18BD-4D35-AA9A-6836CF0EE66E}"/>
-              </a:ext>
-            </a:extLst>
-          </p:cNvPr>
-          <p:cNvPicPr>
-            <a:picLocks noChangeAspect="1" noChangeArrowheads="1"/>
-          </p:cNvPicPr>
-          <p:nvPr/>
-        </p:nvPicPr>
-        <p:blipFill>
-          <a:blip r:embed="rId3">
-            <a:extLst>
-              <a:ext uri="{28A0092B-C50C-407E-A947-70E740481C1C}">
-                <a14:useLocalDpi xmlns:a14="http://schemas.microsoft.com/office/drawing/2010/main" val="0"/>
-              </a:ext>
-            </a:extLst>
-          </a:blip>
-          <a:srcRect/>
-          <a:stretch>
-            <a:fillRect/>
-          </a:stretch>
-        </p:blipFill>
-        <p:spPr bwMode="auto">
-          <a:xfrm>
-            <a:off x="4499179" y="943041"/>
-            <a:ext cx="4079382" cy="3257417"/>
-          </a:xfrm>
-          <a:prstGeom prst="rect">
-            <a:avLst/>
-          </a:prstGeom>
-          <a:noFill/>
-          <a:extLst>
-            <a:ext uri="{909E8E84-426E-40DD-AFC4-6F175D3DCCD1}">
-              <a14:hiddenFill xmlns:a14="http://schemas.microsoft.com/office/drawing/2010/main">
-                <a:solidFill>
-                  <a:srgbClr val="FFFFFF"/>
-                </a:solidFill>
-              </a14:hiddenFill>
-            </a:ext>
-          </a:extLst>
-        </p:spPr>
-      </p:pic>
       <p:sp>
         <p:nvSpPr>
           <p:cNvPr id="12" name="TextBox 11">
@@ -21873,6 +21968,53 @@
           </a:ln>
         </p:spPr>
       </p:cxnSp>
+      <p:pic>
+        <p:nvPicPr>
+          <p:cNvPr id="1026" name="Picture 2">
+            <a:extLst>
+              <a:ext uri="{FF2B5EF4-FFF2-40B4-BE49-F238E27FC236}">
+                <a16:creationId xmlns:a16="http://schemas.microsoft.com/office/drawing/2014/main" id="{2E35DFD5-BEAB-4565-973D-C91C43B5CE74}"/>
+              </a:ext>
+            </a:extLst>
+          </p:cNvPr>
+          <p:cNvPicPr>
+            <a:picLocks noChangeAspect="1" noChangeArrowheads="1"/>
+          </p:cNvPicPr>
+          <p:nvPr/>
+        </p:nvPicPr>
+        <p:blipFill>
+          <a:blip r:embed="rId3">
+            <a:extLst>
+              <a:ext uri="{28A0092B-C50C-407E-A947-70E740481C1C}">
+                <a14:useLocalDpi xmlns:a14="http://schemas.microsoft.com/office/drawing/2010/main" val="0"/>
+              </a:ext>
+            </a:extLst>
+          </a:blip>
+          <a:srcRect/>
+          <a:stretch>
+            <a:fillRect/>
+          </a:stretch>
+        </p:blipFill>
+        <p:spPr bwMode="auto">
+          <a:xfrm>
+            <a:off x="4387952" y="962611"/>
+            <a:ext cx="4411183" cy="3218276"/>
+          </a:xfrm>
+          <a:prstGeom prst="rect">
+            <a:avLst/>
+          </a:prstGeom>
+          <a:noFill/>
+          <a:extLst>
+            <a:ext uri="{909E8E84-426E-40DD-AFC4-6F175D3DCCD1}">
+              <a14:hiddenFill xmlns:a14="http://schemas.microsoft.com/office/drawing/2010/main">
+                <a:solidFill>
+                  <a:srgbClr val="FFFFFF"/>
+                </a:solidFill>
+              </a14:hiddenFill>
+            </a:ext>
+          </a:extLst>
+        </p:spPr>
+      </p:pic>
     </p:spTree>
     <p:extLst>
       <p:ext uri="{BB962C8B-B14F-4D97-AF65-F5344CB8AC3E}">
@@ -22301,7 +22443,7 @@
         </p:nvSpPr>
         <p:spPr>
           <a:xfrm>
-            <a:off x="4930879" y="931996"/>
+            <a:off x="4941940" y="938473"/>
             <a:ext cx="1069258" cy="477830"/>
           </a:xfrm>
           <a:prstGeom prst="rect">
@@ -22356,7 +22498,7 @@
         </p:nvSpPr>
         <p:spPr>
           <a:xfrm>
-            <a:off x="4930879" y="1595868"/>
+            <a:off x="4941940" y="1602345"/>
             <a:ext cx="1069258" cy="477830"/>
           </a:xfrm>
           <a:prstGeom prst="rect">
@@ -22411,7 +22553,7 @@
         </p:nvSpPr>
         <p:spPr>
           <a:xfrm>
-            <a:off x="4930879" y="2259740"/>
+            <a:off x="4941940" y="2266217"/>
             <a:ext cx="1177412" cy="477830"/>
           </a:xfrm>
           <a:prstGeom prst="rect">
@@ -22466,7 +22608,7 @@
         </p:nvSpPr>
         <p:spPr>
           <a:xfrm>
-            <a:off x="7605253" y="1548629"/>
+            <a:off x="7285704" y="931996"/>
             <a:ext cx="1155290" cy="572308"/>
           </a:xfrm>
           <a:prstGeom prst="rect">
@@ -22525,7 +22667,7 @@
         <p:spPr>
           <a:xfrm>
             <a:off x="3753466" y="1170911"/>
-            <a:ext cx="1177413" cy="0"/>
+            <a:ext cx="1188474" cy="6477"/>
           </a:xfrm>
           <a:prstGeom prst="line">
             <a:avLst/>
@@ -22651,8 +22793,8 @@
         </p:nvCxnSpPr>
         <p:spPr>
           <a:xfrm flipH="1" flipV="1">
-            <a:off x="6000137" y="1170911"/>
-            <a:ext cx="1605116" cy="663872"/>
+            <a:off x="6011198" y="1177388"/>
+            <a:ext cx="1274506" cy="40762"/>
           </a:xfrm>
           <a:prstGeom prst="line">
             <a:avLst/>
@@ -22694,9 +22836,9 @@
           <p:nvPr/>
         </p:nvCxnSpPr>
         <p:spPr>
-          <a:xfrm>
-            <a:off x="6000137" y="1834783"/>
-            <a:ext cx="1605116" cy="0"/>
+          <a:xfrm flipV="1">
+            <a:off x="6011198" y="1218150"/>
+            <a:ext cx="1274506" cy="623110"/>
           </a:xfrm>
           <a:prstGeom prst="line">
             <a:avLst/>
@@ -22740,8 +22882,8 @@
         </p:nvCxnSpPr>
         <p:spPr>
           <a:xfrm flipV="1">
-            <a:off x="6108291" y="1834783"/>
-            <a:ext cx="1496962" cy="663872"/>
+            <a:off x="6119352" y="1218150"/>
+            <a:ext cx="1166352" cy="1286982"/>
           </a:xfrm>
           <a:prstGeom prst="line">
             <a:avLst/>
@@ -22781,7 +22923,7 @@
         </p:nvSpPr>
         <p:spPr>
           <a:xfrm>
-            <a:off x="2883311" y="3827685"/>
+            <a:off x="3073194" y="3856593"/>
             <a:ext cx="1360544" cy="539152"/>
           </a:xfrm>
           <a:prstGeom prst="rect">
@@ -22836,7 +22978,7 @@
         </p:nvSpPr>
         <p:spPr>
           <a:xfrm>
-            <a:off x="6832190" y="3279210"/>
+            <a:off x="6515100" y="3298586"/>
             <a:ext cx="1272050" cy="477830"/>
           </a:xfrm>
           <a:prstGeom prst="rect">
@@ -22891,7 +23033,7 @@
         </p:nvSpPr>
         <p:spPr>
           <a:xfrm>
-            <a:off x="6832189" y="3858346"/>
+            <a:off x="6515099" y="3877722"/>
             <a:ext cx="1272051" cy="477830"/>
           </a:xfrm>
           <a:prstGeom prst="rect">
@@ -22946,7 +23088,7 @@
         </p:nvSpPr>
         <p:spPr>
           <a:xfrm>
-            <a:off x="6832188" y="4452555"/>
+            <a:off x="6515098" y="4471931"/>
             <a:ext cx="1272052" cy="477830"/>
           </a:xfrm>
           <a:prstGeom prst="rect">
@@ -23005,8 +23147,8 @@
         </p:nvCxnSpPr>
         <p:spPr>
           <a:xfrm flipV="1">
-            <a:off x="4243855" y="3518125"/>
-            <a:ext cx="2588335" cy="579136"/>
+            <a:off x="4433738" y="3537501"/>
+            <a:ext cx="2081362" cy="588668"/>
           </a:xfrm>
           <a:prstGeom prst="line">
             <a:avLst/>
@@ -23050,8 +23192,8 @@
         </p:nvCxnSpPr>
         <p:spPr>
           <a:xfrm>
-            <a:off x="4243855" y="4097261"/>
-            <a:ext cx="2588333" cy="594209"/>
+            <a:off x="4433738" y="4126169"/>
+            <a:ext cx="2081360" cy="584677"/>
           </a:xfrm>
           <a:prstGeom prst="line">
             <a:avLst/>
@@ -23094,9 +23236,9 @@
           <p:nvPr/>
         </p:nvCxnSpPr>
         <p:spPr>
-          <a:xfrm>
-            <a:off x="4243855" y="4097261"/>
-            <a:ext cx="2588334" cy="0"/>
+          <a:xfrm flipV="1">
+            <a:off x="4433738" y="4116637"/>
+            <a:ext cx="2081361" cy="9532"/>
           </a:xfrm>
           <a:prstGeom prst="line">
             <a:avLst/>
@@ -23511,6 +23653,61 @@
           </a:ln>
         </p:spPr>
       </p:cxnSp>
+      <p:sp>
+        <p:nvSpPr>
+          <p:cNvPr id="5" name="Rectangle 4">
+            <a:extLst>
+              <a:ext uri="{FF2B5EF4-FFF2-40B4-BE49-F238E27FC236}">
+                <a16:creationId xmlns:a16="http://schemas.microsoft.com/office/drawing/2014/main" id="{A972891B-394B-4719-B680-2CB4CB97A00A}"/>
+              </a:ext>
+            </a:extLst>
+          </p:cNvPr>
+          <p:cNvSpPr/>
+          <p:nvPr/>
+        </p:nvSpPr>
+        <p:spPr>
+          <a:xfrm>
+            <a:off x="7307826" y="2165262"/>
+            <a:ext cx="1155290" cy="572308"/>
+          </a:xfrm>
+          <a:prstGeom prst="rect">
+            <a:avLst/>
+          </a:prstGeom>
+          <a:solidFill>
+            <a:srgbClr val="8B3D60"/>
+          </a:solidFill>
+          <a:ln>
+            <a:noFill/>
+          </a:ln>
+        </p:spPr>
+        <p:style>
+          <a:lnRef idx="2">
+            <a:schemeClr val="accent1">
+              <a:shade val="50000"/>
+            </a:schemeClr>
+          </a:lnRef>
+          <a:fillRef idx="1">
+            <a:schemeClr val="accent1"/>
+          </a:fillRef>
+          <a:effectRef idx="0">
+            <a:schemeClr val="accent1"/>
+          </a:effectRef>
+          <a:fontRef idx="minor">
+            <a:schemeClr val="lt1"/>
+          </a:fontRef>
+        </p:style>
+        <p:txBody>
+          <a:bodyPr rtlCol="0" anchor="ctr"/>
+          <a:lstStyle/>
+          <a:p>
+            <a:pPr algn="ctr"/>
+            <a:r>
+              <a:rPr lang="en-US" dirty="0"/>
+              <a:t>Country</a:t>
+            </a:r>
+          </a:p>
+        </p:txBody>
+      </p:sp>
     </p:spTree>
     <p:extLst>
       <p:ext uri="{BB962C8B-B14F-4D97-AF65-F5344CB8AC3E}">
@@ -23698,8 +23895,8 @@
         </p:nvSpPr>
         <p:spPr>
           <a:xfrm>
-            <a:off x="677315" y="2402473"/>
-            <a:ext cx="2832801" cy="338554"/>
+            <a:off x="647818" y="2156251"/>
+            <a:ext cx="2832801" cy="830997"/>
           </a:xfrm>
           <a:prstGeom prst="rect">
             <a:avLst/>
@@ -23720,7 +23917,31 @@
                 <a:effectLst/>
                 <a:latin typeface="Arial" panose="020B0604020202020204" pitchFamily="34" charset="0"/>
               </a:rPr>
-              <a:t>RFM Score vs 21-Month LTV</a:t>
+              <a:t>RFM Score</a:t>
+            </a:r>
+          </a:p>
+          <a:p>
+            <a:r>
+              <a:rPr lang="en-US" sz="1600" b="0" i="0" u="none" strike="noStrike" dirty="0">
+                <a:solidFill>
+                  <a:schemeClr val="bg1"/>
+                </a:solidFill>
+                <a:effectLst/>
+                <a:latin typeface="Arial" panose="020B0604020202020204" pitchFamily="34" charset="0"/>
+              </a:rPr>
+              <a:t>vs 21-Month LTV</a:t>
+            </a:r>
+          </a:p>
+          <a:p>
+            <a:r>
+              <a:rPr lang="en-US" sz="1600" b="0" i="0" u="none" strike="noStrike" dirty="0">
+                <a:solidFill>
+                  <a:schemeClr val="bg1"/>
+                </a:solidFill>
+                <a:effectLst/>
+                <a:latin typeface="Arial" panose="020B0604020202020204" pitchFamily="34" charset="0"/>
+              </a:rPr>
+              <a:t>vs LTV Segment</a:t>
             </a:r>
           </a:p>
         </p:txBody>
